--- a/Presentations/Final Prestenation/Data Budget slide.pptx
+++ b/Presentations/Final Prestenation/Data Budget slide.pptx
@@ -3128,14 +3128,14 @@
             <p:ph idx="1"/>
             <p:extLst>
               <p:ext uri="{D42A27DB-BD31-4B8C-83A1-F6EECF244321}">
-                <p14:modId xmlns:p14="http://schemas.microsoft.com/office/powerpoint/2010/main" val="311246513"/>
+                <p14:modId xmlns:p14="http://schemas.microsoft.com/office/powerpoint/2010/main" val="1330832688"/>
               </p:ext>
             </p:extLst>
           </p:nvPr>
         </p:nvGraphicFramePr>
         <p:xfrm>
           <a:off x="1981200" y="1371601"/>
-          <a:ext cx="4917581" cy="4754565"/>
+          <a:ext cx="4917581" cy="4793501"/>
         </p:xfrm>
         <a:graphic>
           <a:graphicData uri="http://schemas.openxmlformats.org/drawingml/2006/table">
@@ -3146,8 +3146,8 @@
               <a:tblGrid>
                 <a:gridCol w="594871"/>
                 <a:gridCol w="1118353"/>
-                <a:gridCol w="507621"/>
-                <a:gridCol w="507621"/>
+                <a:gridCol w="496576"/>
+                <a:gridCol w="518666"/>
                 <a:gridCol w="700534"/>
                 <a:gridCol w="473339"/>
                 <a:gridCol w="507621"/>
@@ -3916,12 +3916,12 @@
                     <a:p>
                       <a:pPr algn="ctr" fontAlgn="b"/>
                       <a:r>
-                        <a:rPr lang="en-US" sz="800" u="none" strike="noStrike">
+                        <a:rPr lang="en-US" sz="800" u="none" strike="noStrike" dirty="0" smtClean="0">
                           <a:effectLst/>
                         </a:rPr>
-                        <a:t>(fps)</a:t>
+                        <a:t>(Hz)</a:t>
                       </a:r>
-                      <a:endParaRPr lang="en-US" sz="800" b="1" i="0" u="none" strike="noStrike">
+                      <a:endParaRPr lang="en-US" sz="800" b="1" i="0" u="none" strike="noStrike" dirty="0">
                         <a:solidFill>
                           <a:srgbClr val="000000"/>
                         </a:solidFill>
@@ -4623,21 +4623,18 @@
                     <a:p>
                       <a:pPr algn="r" fontAlgn="b"/>
                       <a:r>
-                        <a:rPr lang="en-US" sz="900" u="none" strike="noStrike" dirty="0">
+                        <a:rPr lang="en-US" sz="1100" b="0" i="0" u="none" strike="noStrike">
+                          <a:solidFill>
+                            <a:srgbClr val="000000"/>
+                          </a:solidFill>
                           <a:effectLst/>
+                          <a:latin typeface="Calibri"/>
                         </a:rPr>
-                        <a:t>0.125</a:t>
+                        <a:t>8</a:t>
                       </a:r>
-                      <a:endParaRPr lang="en-US" sz="900" b="0" i="0" u="none" strike="noStrike" dirty="0">
-                        <a:solidFill>
-                          <a:srgbClr val="000000"/>
-                        </a:solidFill>
-                        <a:effectLst/>
-                        <a:latin typeface="Calibri"/>
-                      </a:endParaRPr>
-                    </a:p>
-                  </a:txBody>
-                  <a:tcPr marL="7506" marR="7506" marT="7506" marB="0" anchor="b">
+                    </a:p>
+                  </a:txBody>
+                  <a:tcPr marL="9525" marR="9525" marT="9525" marB="0" anchor="b">
                     <a:lnL w="12700" cap="flat" cmpd="sng" algn="ctr">
                       <a:solidFill>
                         <a:schemeClr val="tx1"/>
@@ -4901,17 +4898,17 @@
                     <a:bodyPr/>
                     <a:lstStyle/>
                     <a:p>
-                      <a:pPr algn="l" fontAlgn="b"/>
-                      <a:endParaRPr lang="en-US" sz="900" b="0" i="0" u="none" strike="noStrike">
-                        <a:solidFill>
-                          <a:srgbClr val="000000"/>
-                        </a:solidFill>
-                        <a:effectLst/>
-                        <a:latin typeface="Calibri"/>
-                      </a:endParaRPr>
-                    </a:p>
-                  </a:txBody>
-                  <a:tcPr marL="7506" marR="7506" marT="7506" marB="0" anchor="b">
+                      <a:pPr algn="r" fontAlgn="b"/>
+                      <a:endParaRPr lang="en-US" sz="1100" b="0" i="0" u="none" strike="noStrike" dirty="0">
+                        <a:solidFill>
+                          <a:srgbClr val="000000"/>
+                        </a:solidFill>
+                        <a:effectLst/>
+                        <a:latin typeface="Calibri"/>
+                      </a:endParaRPr>
+                    </a:p>
+                  </a:txBody>
+                  <a:tcPr marL="9525" marR="9525" marT="9525" marB="0" anchor="b">
                     <a:lnT w="12700" cap="flat" cmpd="sng" algn="ctr">
                       <a:solidFill>
                         <a:schemeClr val="tx1"/>
@@ -5991,12 +5988,12 @@
                     <a:p>
                       <a:pPr algn="ctr" fontAlgn="b"/>
                       <a:r>
-                        <a:rPr lang="en-US" sz="800" u="none" strike="noStrike">
+                        <a:rPr lang="en-US" sz="800" u="none" strike="noStrike" dirty="0">
                           <a:effectLst/>
                         </a:rPr>
                         <a:t>Data</a:t>
                       </a:r>
-                      <a:endParaRPr lang="en-US" sz="800" b="1" i="0" u="none" strike="noStrike">
+                      <a:endParaRPr lang="en-US" sz="800" b="1" i="0" u="none" strike="noStrike" dirty="0">
                         <a:solidFill>
                           <a:srgbClr val="000000"/>
                         </a:solidFill>
@@ -6309,10 +6306,10 @@
                     <a:p>
                       <a:pPr algn="ctr" fontAlgn="b"/>
                       <a:r>
-                        <a:rPr lang="en-US" sz="800" u="none" strike="noStrike" dirty="0">
+                        <a:rPr lang="en-US" sz="800" u="none" strike="noStrike" dirty="0" smtClean="0">
                           <a:effectLst/>
                         </a:rPr>
-                        <a:t>(fps)</a:t>
+                        <a:t>(Hz)</a:t>
                       </a:r>
                       <a:endParaRPr lang="en-US" sz="800" b="1" i="0" u="none" strike="noStrike" dirty="0">
                         <a:solidFill>
@@ -7115,7 +7112,7 @@
                         <a:rPr lang="en-US" sz="900" u="none" strike="noStrike" dirty="0" smtClean="0">
                           <a:effectLst/>
                         </a:rPr>
-                        <a:t>0.25</a:t>
+                        <a:t>4</a:t>
                       </a:r>
                       <a:endParaRPr lang="en-US" sz="900" b="0" i="0" u="none" strike="noStrike" dirty="0" smtClean="0">
                         <a:solidFill>
@@ -8812,12 +8809,12 @@
                     <a:p>
                       <a:pPr algn="ctr" fontAlgn="b"/>
                       <a:r>
-                        <a:rPr lang="en-US" sz="800" u="none" strike="noStrike">
+                        <a:rPr lang="en-US" sz="800" u="none" strike="noStrike" dirty="0" smtClean="0">
                           <a:effectLst/>
                         </a:rPr>
-                        <a:t>(fps)</a:t>
+                        <a:t>(Hz)</a:t>
                       </a:r>
-                      <a:endParaRPr lang="en-US" sz="800" b="1" i="0" u="none" strike="noStrike">
+                      <a:endParaRPr lang="en-US" sz="800" b="1" i="0" u="none" strike="noStrike" dirty="0">
                         <a:solidFill>
                           <a:srgbClr val="000000"/>
                         </a:solidFill>
@@ -9519,18 +9516,11 @@
                     <a:p>
                       <a:pPr algn="r" fontAlgn="b"/>
                       <a:r>
-                        <a:rPr lang="en-US" sz="900" u="none" strike="noStrike">
+                        <a:rPr lang="en-US" sz="900" u="none" strike="noStrike" smtClean="0">
                           <a:effectLst/>
                         </a:rPr>
-                        <a:t>0.5</a:t>
+                        <a:t>2</a:t>
                       </a:r>
-                      <a:endParaRPr lang="en-US" sz="900" b="0" i="0" u="none" strike="noStrike">
-                        <a:solidFill>
-                          <a:srgbClr val="000000"/>
-                        </a:solidFill>
-                        <a:effectLst/>
-                        <a:latin typeface="Calibri"/>
-                      </a:endParaRPr>
                     </a:p>
                   </a:txBody>
                   <a:tcPr marL="7506" marR="7506" marT="7506" marB="0" anchor="b">
